--- a/02 - Objet/01_Cours Objet/2.Exo Concepts_objet v2.0.0 ST 1 1.pptx
+++ b/02 - Objet/01_Cours Objet/2.Exo Concepts_objet v2.0.0 ST 1 1.pptx
@@ -136,8 +136,70 @@
 </p:presentation>
 </file>
 
+<file path=ppt/revisionInfo.xml><?xml version="1.0" encoding="utf-8"?>
+<p1510:revInfo xmlns:a="http://schemas.openxmlformats.org/drawingml/2006/main" xmlns:r="http://schemas.openxmlformats.org/officeDocument/2006/relationships" xmlns:p1510="http://schemas.microsoft.com/office/powerpoint/2015/10/main">
+  <p1510:revLst>
+    <p1510:client id="{CBC76825-2431-448C-B159-67395B13D116}" v="23" dt="2025-05-19T09:52:47.056"/>
+  </p1510:revLst>
+</p1510:revInfo>
+</file>
+
 <file path=ppt/changesInfos/changesInfo1.xml><?xml version="1.0" encoding="utf-8"?>
 <pc:chgInfo xmlns:a="http://schemas.openxmlformats.org/drawingml/2006/main" xmlns:r="http://schemas.openxmlformats.org/officeDocument/2006/relationships" xmlns:ac="http://schemas.microsoft.com/office/drawing/2013/main/command" xmlns:pc="http://schemas.microsoft.com/office/powerpoint/2013/main/command">
+  <pc:docChgLst>
+    <pc:chgData name="DE BRITO Jessy" userId="8b2675eb-f6c5-4fc2-a0b3-207325e583fc" providerId="ADAL" clId="{CBC76825-2431-448C-B159-67395B13D116}"/>
+    <pc:docChg chg="custSel modSld">
+      <pc:chgData name="DE BRITO Jessy" userId="8b2675eb-f6c5-4fc2-a0b3-207325e583fc" providerId="ADAL" clId="{CBC76825-2431-448C-B159-67395B13D116}" dt="2025-05-19T09:52:47.056" v="30" actId="1076"/>
+      <pc:docMkLst>
+        <pc:docMk/>
+      </pc:docMkLst>
+      <pc:sldChg chg="modSp mod">
+        <pc:chgData name="DE BRITO Jessy" userId="8b2675eb-f6c5-4fc2-a0b3-207325e583fc" providerId="ADAL" clId="{CBC76825-2431-448C-B159-67395B13D116}" dt="2025-05-15T13:08:39.865" v="1" actId="27636"/>
+        <pc:sldMkLst>
+          <pc:docMk/>
+          <pc:sldMk cId="3741278479" sldId="257"/>
+        </pc:sldMkLst>
+        <pc:spChg chg="mod">
+          <ac:chgData name="DE BRITO Jessy" userId="8b2675eb-f6c5-4fc2-a0b3-207325e583fc" providerId="ADAL" clId="{CBC76825-2431-448C-B159-67395B13D116}" dt="2025-05-15T13:08:39.865" v="1" actId="27636"/>
+          <ac:spMkLst>
+            <pc:docMk/>
+            <pc:sldMk cId="3741278479" sldId="257"/>
+            <ac:spMk id="2" creationId="{00000000-0000-0000-0000-000000000000}"/>
+          </ac:spMkLst>
+        </pc:spChg>
+      </pc:sldChg>
+      <pc:sldChg chg="modSp">
+        <pc:chgData name="DE BRITO Jessy" userId="8b2675eb-f6c5-4fc2-a0b3-207325e583fc" providerId="ADAL" clId="{CBC76825-2431-448C-B159-67395B13D116}" dt="2025-05-19T09:52:47.056" v="30" actId="1076"/>
+        <pc:sldMkLst>
+          <pc:docMk/>
+          <pc:sldMk cId="1194017993" sldId="262"/>
+        </pc:sldMkLst>
+        <pc:picChg chg="mod">
+          <ac:chgData name="DE BRITO Jessy" userId="8b2675eb-f6c5-4fc2-a0b3-207325e583fc" providerId="ADAL" clId="{CBC76825-2431-448C-B159-67395B13D116}" dt="2025-05-19T09:52:47.056" v="30" actId="1076"/>
+          <ac:picMkLst>
+            <pc:docMk/>
+            <pc:sldMk cId="1194017993" sldId="262"/>
+            <ac:picMk id="3074" creationId="{00000000-0000-0000-0000-000000000000}"/>
+          </ac:picMkLst>
+        </pc:picChg>
+      </pc:sldChg>
+      <pc:sldChg chg="addSp delSp modSp mod">
+        <pc:chgData name="DE BRITO Jessy" userId="8b2675eb-f6c5-4fc2-a0b3-207325e583fc" providerId="ADAL" clId="{CBC76825-2431-448C-B159-67395B13D116}" dt="2025-05-15T13:10:40.777" v="29"/>
+        <pc:sldMkLst>
+          <pc:docMk/>
+          <pc:sldMk cId="2102095351" sldId="263"/>
+        </pc:sldMkLst>
+        <pc:picChg chg="add mod">
+          <ac:chgData name="DE BRITO Jessy" userId="8b2675eb-f6c5-4fc2-a0b3-207325e583fc" providerId="ADAL" clId="{CBC76825-2431-448C-B159-67395B13D116}" dt="2025-05-15T13:10:40.777" v="29"/>
+          <ac:picMkLst>
+            <pc:docMk/>
+            <pc:sldMk cId="2102095351" sldId="263"/>
+            <ac:picMk id="7" creationId="{EF9F68CF-190D-1806-27BA-81236AEB80AB}"/>
+          </ac:picMkLst>
+        </pc:picChg>
+      </pc:sldChg>
+    </pc:docChg>
+  </pc:docChgLst>
   <pc:docChgLst>
     <pc:chgData name="Utilisateur invité" userId="S::urn:spo:anon#5eb0d7d63183d07c9a49430f4250b2a98899b2ed5e441eb1841cd208589f8986::" providerId="AD" clId="Web-{31EE6089-92C0-5E39-5490-382511E4A2F2}"/>
     <pc:docChg chg="modSld">
@@ -151,14 +213,6 @@
           <pc:docMk/>
           <pc:sldMk cId="2762308746" sldId="258"/>
         </pc:sldMkLst>
-        <pc:picChg chg="mod">
-          <ac:chgData name="Utilisateur invité" userId="S::urn:spo:anon#5eb0d7d63183d07c9a49430f4250b2a98899b2ed5e441eb1841cd208589f8986::" providerId="AD" clId="Web-{31EE6089-92C0-5E39-5490-382511E4A2F2}" dt="2025-02-05T09:13:57.245" v="0" actId="1076"/>
-          <ac:picMkLst>
-            <pc:docMk/>
-            <pc:sldMk cId="2762308746" sldId="258"/>
-            <ac:picMk id="1026" creationId="{00000000-0000-0000-0000-000000000000}"/>
-          </ac:picMkLst>
-        </pc:picChg>
       </pc:sldChg>
     </pc:docChg>
   </pc:docChgLst>
@@ -175,14 +229,6 @@
           <pc:docMk/>
           <pc:sldMk cId="1624616161" sldId="259"/>
         </pc:sldMkLst>
-        <pc:spChg chg="mod">
-          <ac:chgData name="Utilisateur invité" userId="S::urn:spo:anon#5eb0d7d63183d07c9a49430f4250b2a98899b2ed5e441eb1841cd208589f8986::" providerId="AD" clId="Web-{15CAF9FC-078F-CCCA-E584-CDBF06FBACDA}" dt="2025-02-11T13:14:14.383" v="3" actId="20577"/>
-          <ac:spMkLst>
-            <pc:docMk/>
-            <pc:sldMk cId="1624616161" sldId="259"/>
-            <ac:spMk id="3" creationId="{00000000-0000-0000-0000-000000000000}"/>
-          </ac:spMkLst>
-        </pc:spChg>
       </pc:sldChg>
     </pc:docChg>
   </pc:docChgLst>
@@ -271,7 +317,7 @@
           <a:p>
             <a:fld id="{F62C5F44-AB4C-4688-9925-29BB1D5B8698}" type="datetimeFigureOut">
               <a:rPr lang="fr-FR" smtClean="0"/>
-              <a:t>19/02/2025</a:t>
+              <a:t>19/05/2025</a:t>
             </a:fld>
             <a:endParaRPr lang="fr-FR"/>
           </a:p>
@@ -429,7 +475,7 @@
           <a:p>
             <a:fld id="{73954F24-4E0D-41AD-B4B5-6445D11D0A1E}" type="slidenum">
               <a:rPr lang="fr-FR" smtClean="0"/>
-              <a:t>‹#›</a:t>
+              <a:t>‹N°›</a:t>
             </a:fld>
             <a:endParaRPr lang="fr-FR"/>
           </a:p>
@@ -675,7 +721,7 @@
           <a:p>
             <a:fld id="{9BBF1833-3A8A-4231-A846-52721BE906F9}" type="datetime1">
               <a:rPr lang="fr-FR" smtClean="0"/>
-              <a:t>19/02/2025</a:t>
+              <a:t>19/05/2025</a:t>
             </a:fld>
             <a:endParaRPr lang="fr-FR"/>
           </a:p>
@@ -1421,7 +1467,7 @@
           <a:p>
             <a:fld id="{15C34F61-B9C8-446C-A250-F0245BEC5AFD}" type="slidenum">
               <a:rPr lang="fr-FR" smtClean="0"/>
-              <a:t>‹#›</a:t>
+              <a:t>‹N°›</a:t>
             </a:fld>
             <a:endParaRPr lang="fr-FR"/>
           </a:p>
@@ -1544,7 +1590,7 @@
           <a:p>
             <a:fld id="{CCB0DE98-6AF6-4B3C-AEA2-C5CD8D3B0572}" type="datetime1">
               <a:rPr lang="fr-FR" smtClean="0"/>
-              <a:t>19/02/2025</a:t>
+              <a:t>19/05/2025</a:t>
             </a:fld>
             <a:endParaRPr lang="fr-FR"/>
           </a:p>
@@ -1586,7 +1632,7 @@
           <a:p>
             <a:fld id="{15C34F61-B9C8-446C-A250-F0245BEC5AFD}" type="slidenum">
               <a:rPr lang="fr-FR" smtClean="0"/>
-              <a:t>‹#›</a:t>
+              <a:t>‹N°›</a:t>
             </a:fld>
             <a:endParaRPr lang="fr-FR"/>
           </a:p>
@@ -1719,7 +1765,7 @@
           <a:p>
             <a:fld id="{1246A9CB-5746-4BE5-8206-186F15CE2AAA}" type="datetime1">
               <a:rPr lang="fr-FR" smtClean="0"/>
-              <a:t>19/02/2025</a:t>
+              <a:t>19/05/2025</a:t>
             </a:fld>
             <a:endParaRPr lang="fr-FR"/>
           </a:p>
@@ -1761,7 +1807,7 @@
           <a:p>
             <a:fld id="{15C34F61-B9C8-446C-A250-F0245BEC5AFD}" type="slidenum">
               <a:rPr lang="fr-FR" smtClean="0"/>
-              <a:t>‹#›</a:t>
+              <a:t>‹N°›</a:t>
             </a:fld>
             <a:endParaRPr lang="fr-FR"/>
           </a:p>
@@ -1889,7 +1935,7 @@
           <a:p>
             <a:fld id="{2EB992A3-0A50-4805-BE4A-A64E2B661F7A}" type="datetime1">
               <a:rPr lang="fr-FR" smtClean="0"/>
-              <a:t>19/02/2025</a:t>
+              <a:t>19/05/2025</a:t>
             </a:fld>
             <a:endParaRPr lang="fr-FR"/>
           </a:p>
@@ -1912,7 +1958,7 @@
           <a:p>
             <a:fld id="{15C34F61-B9C8-446C-A250-F0245BEC5AFD}" type="slidenum">
               <a:rPr lang="fr-FR" smtClean="0"/>
-              <a:t>‹#›</a:t>
+              <a:t>‹N°›</a:t>
             </a:fld>
             <a:endParaRPr lang="fr-FR"/>
           </a:p>
@@ -2099,7 +2145,7 @@
           <a:p>
             <a:fld id="{7FE902B5-1AC1-47BF-B3C7-5AAEEE8C3428}" type="datetime1">
               <a:rPr lang="fr-FR" smtClean="0"/>
-              <a:t>19/02/2025</a:t>
+              <a:t>19/05/2025</a:t>
             </a:fld>
             <a:endParaRPr lang="fr-FR"/>
           </a:p>
@@ -2842,7 +2888,7 @@
           <a:p>
             <a:fld id="{15C34F61-B9C8-446C-A250-F0245BEC5AFD}" type="slidenum">
               <a:rPr lang="fr-FR" smtClean="0"/>
-              <a:t>‹#›</a:t>
+              <a:t>‹N°›</a:t>
             </a:fld>
             <a:endParaRPr lang="fr-FR"/>
           </a:p>
@@ -2913,7 +2959,7 @@
           <a:p>
             <a:fld id="{B5B608CA-BC4B-4F83-B15D-2816142EE5C1}" type="datetime1">
               <a:rPr lang="fr-FR" smtClean="0"/>
-              <a:t>19/02/2025</a:t>
+              <a:t>19/05/2025</a:t>
             </a:fld>
             <a:endParaRPr lang="fr-FR"/>
           </a:p>
@@ -2955,7 +3001,7 @@
           <a:p>
             <a:fld id="{15C34F61-B9C8-446C-A250-F0245BEC5AFD}" type="slidenum">
               <a:rPr lang="fr-FR" smtClean="0"/>
-              <a:t>‹#›</a:t>
+              <a:t>‹N°›</a:t>
             </a:fld>
             <a:endParaRPr lang="fr-FR"/>
           </a:p>
@@ -3149,7 +3195,7 @@
           <a:p>
             <a:fld id="{EC673B2D-7E57-43A1-A6C5-5339D9A54890}" type="datetime1">
               <a:rPr lang="fr-FR" smtClean="0"/>
-              <a:t>19/02/2025</a:t>
+              <a:t>19/05/2025</a:t>
             </a:fld>
             <a:endParaRPr lang="fr-FR"/>
           </a:p>
@@ -3191,7 +3237,7 @@
           <a:p>
             <a:fld id="{15C34F61-B9C8-446C-A250-F0245BEC5AFD}" type="slidenum">
               <a:rPr lang="fr-FR" smtClean="0"/>
-              <a:t>‹#›</a:t>
+              <a:t>‹N°›</a:t>
             </a:fld>
             <a:endParaRPr lang="fr-FR"/>
           </a:p>
@@ -3472,7 +3518,7 @@
           <a:p>
             <a:fld id="{9EA6F703-6A6A-4476-AD1C-241AF7CEACE4}" type="datetime1">
               <a:rPr lang="fr-FR" smtClean="0"/>
-              <a:t>19/02/2025</a:t>
+              <a:t>19/05/2025</a:t>
             </a:fld>
             <a:endParaRPr lang="fr-FR"/>
           </a:p>
@@ -3495,7 +3541,7 @@
           <a:p>
             <a:fld id="{15C34F61-B9C8-446C-A250-F0245BEC5AFD}" type="slidenum">
               <a:rPr lang="fr-FR" smtClean="0"/>
-              <a:t>‹#›</a:t>
+              <a:t>‹N°›</a:t>
             </a:fld>
             <a:endParaRPr lang="fr-FR"/>
           </a:p>
@@ -3562,7 +3608,7 @@
           <a:p>
             <a:fld id="{5B467739-00ED-4676-88C5-C5449B896610}" type="datetime1">
               <a:rPr lang="fr-FR" smtClean="0"/>
-              <a:t>19/02/2025</a:t>
+              <a:t>19/05/2025</a:t>
             </a:fld>
             <a:endParaRPr lang="fr-FR"/>
           </a:p>
@@ -3604,7 +3650,7 @@
           <a:p>
             <a:fld id="{15C34F61-B9C8-446C-A250-F0245BEC5AFD}" type="slidenum">
               <a:rPr lang="fr-FR" smtClean="0"/>
-              <a:t>‹#›</a:t>
+              <a:t>‹N°›</a:t>
             </a:fld>
             <a:endParaRPr lang="fr-FR"/>
           </a:p>
@@ -4079,7 +4125,7 @@
           <a:p>
             <a:fld id="{492A6089-F339-403A-AE19-EAB54C531A53}" type="datetime1">
               <a:rPr lang="fr-FR" smtClean="0"/>
-              <a:t>19/02/2025</a:t>
+              <a:t>19/05/2025</a:t>
             </a:fld>
             <a:endParaRPr lang="fr-FR"/>
           </a:p>
@@ -4102,7 +4148,7 @@
           <a:p>
             <a:fld id="{15C34F61-B9C8-446C-A250-F0245BEC5AFD}" type="slidenum">
               <a:rPr lang="fr-FR" smtClean="0"/>
-              <a:t>‹#›</a:t>
+              <a:t>‹N°›</a:t>
             </a:fld>
             <a:endParaRPr lang="fr-FR"/>
           </a:p>
@@ -4590,7 +4636,7 @@
           <a:p>
             <a:fld id="{DEBAD15E-5AB6-4023-9977-5A96385E704B}" type="datetime1">
               <a:rPr lang="fr-FR" smtClean="0"/>
-              <a:t>19/02/2025</a:t>
+              <a:t>19/05/2025</a:t>
             </a:fld>
             <a:endParaRPr lang="fr-FR"/>
           </a:p>
@@ -4613,7 +4659,7 @@
           <a:p>
             <a:fld id="{15C34F61-B9C8-446C-A250-F0245BEC5AFD}" type="slidenum">
               <a:rPr lang="fr-FR" smtClean="0"/>
-              <a:t>‹#›</a:t>
+              <a:t>‹N°›</a:t>
             </a:fld>
             <a:endParaRPr lang="fr-FR"/>
           </a:p>
@@ -4835,7 +4881,7 @@
           <a:p>
             <a:fld id="{0C79A97D-61B1-4F60-8CB1-E0893F2F0CED}" type="datetime1">
               <a:rPr lang="fr-FR" smtClean="0"/>
-              <a:t>19/02/2025</a:t>
+              <a:t>19/05/2025</a:t>
             </a:fld>
             <a:endParaRPr lang="fr-FR"/>
           </a:p>
@@ -5111,7 +5157,7 @@
           <a:p>
             <a:fld id="{15C34F61-B9C8-446C-A250-F0245BEC5AFD}" type="slidenum">
               <a:rPr lang="fr-FR" smtClean="0"/>
-              <a:t>‹#›</a:t>
+              <a:t>‹N°›</a:t>
             </a:fld>
             <a:endParaRPr lang="fr-FR"/>
           </a:p>
@@ -5953,7 +5999,9 @@
         </p:nvSpPr>
         <p:spPr/>
         <p:txBody>
-          <a:bodyPr/>
+          <a:bodyPr>
+            <a:normAutofit fontScale="90000"/>
+          </a:bodyPr>
           <a:lstStyle/>
           <a:p>
             <a:r>
@@ -6395,74 +6443,74 @@
           <a:lstStyle/>
           <a:p>
             <a:r>
-              <a:rPr lang="fr-FR"/>
+              <a:rPr lang="fr-FR" dirty="0"/>
               <a:t>La classification n'est pas toujours une opération triviale. En effet, la détermination des critères de classification est difficile et dans certains cas il n'est pas possible de se déterminer.</a:t>
             </a:r>
           </a:p>
           <a:p>
-            <a:endParaRPr lang="fr-FR"/>
-          </a:p>
-          <a:p>
-            <a:r>
-              <a:rPr lang="fr-FR">
+            <a:endParaRPr lang="fr-FR" dirty="0"/>
+          </a:p>
+          <a:p>
+            <a:r>
+              <a:rPr lang="fr-FR" dirty="0">
                 <a:ea typeface="+mn-lt"/>
                 <a:cs typeface="+mn-lt"/>
               </a:rPr>
               <a:t>Proposer une hiérarchie pour classer les objets suivants:</a:t>
             </a:r>
-            <a:endParaRPr lang="fr-FR"/>
-          </a:p>
-          <a:p>
             <a:endParaRPr lang="fr-FR" dirty="0"/>
           </a:p>
           <a:p>
+            <a:endParaRPr lang="fr-FR" dirty="0"/>
+          </a:p>
+          <a:p>
             <a:pPr lvl="1"/>
             <a:r>
-              <a:rPr lang="fr-FR">
+              <a:rPr lang="fr-FR" dirty="0">
                 <a:ea typeface="+mn-lt"/>
                 <a:cs typeface="+mn-lt"/>
               </a:rPr>
               <a:t>Une Peugeot 205 rouge</a:t>
             </a:r>
-            <a:endParaRPr lang="fr-FR"/>
+            <a:endParaRPr lang="fr-FR" dirty="0"/>
           </a:p>
           <a:p>
             <a:pPr lvl="1"/>
             <a:r>
-              <a:rPr lang="fr-FR">
+              <a:rPr lang="fr-FR" dirty="0">
                 <a:ea typeface="+mn-lt"/>
                 <a:cs typeface="+mn-lt"/>
               </a:rPr>
               <a:t>Le TGV Paris-Lyon</a:t>
             </a:r>
-            <a:endParaRPr lang="fr-FR"/>
+            <a:endParaRPr lang="fr-FR" dirty="0"/>
           </a:p>
           <a:p>
             <a:pPr lvl="1"/>
             <a:r>
-              <a:rPr lang="fr-FR">
+              <a:rPr lang="fr-FR" dirty="0">
                 <a:ea typeface="+mn-lt"/>
                 <a:cs typeface="+mn-lt"/>
               </a:rPr>
               <a:t>Un Airbus A320</a:t>
             </a:r>
-            <a:endParaRPr lang="fr-FR"/>
+            <a:endParaRPr lang="fr-FR" dirty="0"/>
           </a:p>
           <a:p>
             <a:pPr lvl="1"/>
             <a:r>
-              <a:rPr lang="fr-FR">
+              <a:rPr lang="fr-FR" dirty="0">
                 <a:ea typeface="+mn-lt"/>
                 <a:cs typeface="+mn-lt"/>
               </a:rPr>
               <a:t>L'alouette de la gendarmerie de Chamonix</a:t>
             </a:r>
-            <a:endParaRPr lang="fr-FR"/>
+            <a:endParaRPr lang="fr-FR" dirty="0"/>
           </a:p>
           <a:p>
             <a:pPr lvl="1"/>
             <a:r>
-              <a:rPr lang="fr-FR">
+              <a:rPr lang="fr-FR" dirty="0">
                 <a:ea typeface="+mn-lt"/>
                 <a:cs typeface="+mn-lt"/>
               </a:rPr>
@@ -6475,12 +6523,12 @@
               </a:rPr>
               <a:t>Douvre</a:t>
             </a:r>
-            <a:endParaRPr lang="fr-FR"/>
+            <a:endParaRPr lang="fr-FR" dirty="0"/>
           </a:p>
           <a:p>
             <a:pPr lvl="1"/>
             <a:r>
-              <a:rPr lang="fr-FR"/>
+              <a:rPr lang="fr-FR" dirty="0"/>
               <a:t>Le cheval </a:t>
             </a:r>
             <a:r>
@@ -6488,70 +6536,70 @@
               <a:t>Belino</a:t>
             </a:r>
             <a:r>
-              <a:rPr lang="fr-FR"/>
+              <a:rPr lang="fr-FR" dirty="0"/>
               <a:t> II</a:t>
             </a:r>
-            <a:endParaRPr lang="en-US"/>
+            <a:endParaRPr lang="en-US" dirty="0"/>
           </a:p>
           <a:p>
             <a:pPr lvl="1"/>
             <a:r>
-              <a:rPr lang="fr-FR">
+              <a:rPr lang="fr-FR" dirty="0">
                 <a:ea typeface="+mn-lt"/>
                 <a:cs typeface="+mn-lt"/>
               </a:rPr>
               <a:t>La moto de Thibault</a:t>
             </a:r>
-            <a:endParaRPr lang="fr-FR"/>
+            <a:endParaRPr lang="fr-FR" dirty="0"/>
           </a:p>
           <a:p>
             <a:pPr lvl="1"/>
             <a:r>
-              <a:rPr lang="fr-FR">
+              <a:rPr lang="fr-FR" dirty="0">
                 <a:ea typeface="+mn-lt"/>
                 <a:cs typeface="+mn-lt"/>
               </a:rPr>
               <a:t>Un voilier Bénéteau</a:t>
             </a:r>
-            <a:endParaRPr lang="fr-FR"/>
+            <a:endParaRPr lang="fr-FR" dirty="0"/>
           </a:p>
           <a:p>
             <a:pPr lvl="1"/>
             <a:r>
-              <a:rPr lang="fr-FR">
+              <a:rPr lang="fr-FR" dirty="0">
                 <a:ea typeface="+mn-lt"/>
                 <a:cs typeface="+mn-lt"/>
               </a:rPr>
               <a:t>Un sous-marin</a:t>
             </a:r>
-            <a:endParaRPr lang="fr-FR"/>
+            <a:endParaRPr lang="fr-FR" dirty="0"/>
           </a:p>
           <a:p>
             <a:pPr lvl="1"/>
             <a:r>
-              <a:rPr lang="fr-FR">
+              <a:rPr lang="fr-FR" dirty="0">
                 <a:ea typeface="+mn-lt"/>
                 <a:cs typeface="+mn-lt"/>
               </a:rPr>
               <a:t>Un delta-plane jaune</a:t>
             </a:r>
-            <a:endParaRPr lang="fr-FR"/>
+            <a:endParaRPr lang="fr-FR" dirty="0"/>
           </a:p>
           <a:p>
             <a:pPr lvl="1"/>
             <a:r>
-              <a:rPr lang="fr-FR"/>
+              <a:rPr lang="fr-FR" dirty="0"/>
               <a:t>Une rame de métro</a:t>
             </a:r>
           </a:p>
           <a:p>
-            <a:endParaRPr lang="fr-FR"/>
-          </a:p>
-          <a:p>
-            <a:endParaRPr lang="fr-FR"/>
-          </a:p>
-          <a:p>
-            <a:endParaRPr lang="fr-FR"/>
+            <a:endParaRPr lang="fr-FR" dirty="0"/>
+          </a:p>
+          <a:p>
+            <a:endParaRPr lang="fr-FR" dirty="0"/>
+          </a:p>
+          <a:p>
+            <a:endParaRPr lang="fr-FR" dirty="0"/>
           </a:p>
         </p:txBody>
       </p:sp>
@@ -7017,14 +7065,210 @@
       </p:sp>
       <p:pic>
         <p:nvPicPr>
-          <p:cNvPr id="5" name="Picture 2"/>
+          <p:cNvPr id="7" name="Image 6" descr="Une image contenant texte, capture d’écran, diagramme, ligne&#10;&#10;Le contenu généré par l’IA peut être incorrect.">
+            <a:extLst>
+              <a:ext uri="{FF2B5EF4-FFF2-40B4-BE49-F238E27FC236}">
+                <a16:creationId xmlns:a16="http://schemas.microsoft.com/office/drawing/2014/main" id="{EF9F68CF-190D-1806-27BA-81236AEB80AB}"/>
+              </a:ext>
+            </a:extLst>
+          </p:cNvPr>
+          <p:cNvPicPr>
+            <a:picLocks noChangeAspect="1"/>
+          </p:cNvPicPr>
+          <p:nvPr/>
+        </p:nvPicPr>
+        <p:blipFill>
+          <a:blip r:embed="rId2">
+            <a:extLst>
+              <a:ext uri="{BEBA8EAE-BF5A-486C-A8C5-ECC9F3942E4B}">
+                <a14:imgProps xmlns:a14="http://schemas.microsoft.com/office/drawing/2010/main">
+                  <a14:imgLayer r:embed="rId3">
+                    <a14:imgEffect>
+                      <a14:backgroundRemoval t="3232" b="94297" l="3548" r="94013">
+                        <a14:foregroundMark x1="35033" y1="7795" x2="35033" y2="7795"/>
+                        <a14:foregroundMark x1="51885" y1="7414" x2="41020" y2="9316"/>
+                        <a14:foregroundMark x1="58537" y1="7985" x2="54767" y2="6844"/>
+                        <a14:foregroundMark x1="58980" y1="3232" x2="58980" y2="3232"/>
+                        <a14:foregroundMark x1="92905" y1="78517" x2="92905" y2="81749"/>
+                        <a14:foregroundMark x1="90466" y1="92586" x2="81375" y2="93536"/>
+                        <a14:foregroundMark x1="29047" y1="87833" x2="26608" y2="88403"/>
+                        <a14:foregroundMark x1="27273" y1="75475" x2="23282" y2="79468"/>
+                        <a14:foregroundMark x1="16851" y1="86312" x2="15078" y2="90304"/>
+                        <a14:foregroundMark x1="8204" y1="79278" x2="7982" y2="83460"/>
+                        <a14:foregroundMark x1="3769" y1="80418" x2="3769" y2="84030"/>
+                        <a14:foregroundMark x1="94013" y1="94297" x2="94013" y2="94297"/>
+                        <a14:foregroundMark x1="64523" y1="69962" x2="64523" y2="69962"/>
+                        <a14:foregroundMark x1="62971" y1="68441" x2="62971" y2="68441"/>
+                        <a14:foregroundMark x1="31929" y1="69202" x2="31929" y2="69202"/>
+                        <a14:foregroundMark x1="30820" y1="70722" x2="30820" y2="70722"/>
+                        <a14:foregroundMark x1="29490" y1="73004" x2="33038" y2="67871"/>
+                      </a14:backgroundRemoval>
+                    </a14:imgEffect>
+                  </a14:imgLayer>
+                </a14:imgProps>
+              </a:ext>
+              <a:ext uri="{28A0092B-C50C-407E-A947-70E740481C1C}">
+                <a14:useLocalDpi xmlns:a14="http://schemas.microsoft.com/office/drawing/2010/main" val="0"/>
+              </a:ext>
+            </a:extLst>
+          </a:blip>
+          <a:stretch>
+            <a:fillRect/>
+          </a:stretch>
+        </p:blipFill>
+        <p:spPr>
+          <a:xfrm>
+            <a:off x="3343611" y="3893047"/>
+            <a:ext cx="2456778" cy="2865333"/>
+          </a:xfrm>
+          <a:prstGeom prst="rect">
+            <a:avLst/>
+          </a:prstGeom>
+        </p:spPr>
+      </p:pic>
+    </p:spTree>
+    <p:extLst>
+      <p:ext uri="{BB962C8B-B14F-4D97-AF65-F5344CB8AC3E}">
+        <p14:creationId xmlns:p14="http://schemas.microsoft.com/office/powerpoint/2010/main" val="2102095351"/>
+      </p:ext>
+    </p:extLst>
+  </p:cSld>
+  <p:clrMapOvr>
+    <a:masterClrMapping/>
+  </p:clrMapOvr>
+</p:sld>
+</file>
+
+<file path=ppt/slides/slide8.xml><?xml version="1.0" encoding="utf-8"?>
+<p:sld xmlns:a="http://schemas.openxmlformats.org/drawingml/2006/main" xmlns:r="http://schemas.openxmlformats.org/officeDocument/2006/relationships" xmlns:p="http://schemas.openxmlformats.org/presentationml/2006/main">
+  <p:cSld>
+    <p:spTree>
+      <p:nvGrpSpPr>
+        <p:cNvPr id="1" name=""/>
+        <p:cNvGrpSpPr/>
+        <p:nvPr/>
+      </p:nvGrpSpPr>
+      <p:grpSpPr>
+        <a:xfrm>
+          <a:off x="0" y="0"/>
+          <a:ext cx="0" cy="0"/>
+          <a:chOff x="0" y="0"/>
+          <a:chExt cx="0" cy="0"/>
+        </a:xfrm>
+      </p:grpSpPr>
+      <p:sp>
+        <p:nvSpPr>
+          <p:cNvPr id="2" name="Titre 1"/>
+          <p:cNvSpPr>
+            <a:spLocks noGrp="1"/>
+          </p:cNvSpPr>
+          <p:nvPr>
+            <p:ph type="title"/>
+          </p:nvPr>
+        </p:nvSpPr>
+        <p:spPr/>
+        <p:txBody>
+          <a:bodyPr/>
+          <a:lstStyle/>
+          <a:p>
+            <a:r>
+              <a:rPr lang="fr-FR"/>
+              <a:t>restructuration d'héritage </a:t>
+            </a:r>
+            <a:br>
+              <a:rPr lang="fr-FR"/>
+            </a:br>
+            <a:r>
+              <a:rPr lang="fr-FR"/>
+              <a:t>Exercice  la Tarte aux pommes</a:t>
+            </a:r>
+          </a:p>
+        </p:txBody>
+      </p:sp>
+      <p:sp>
+        <p:nvSpPr>
+          <p:cNvPr id="3" name="Espace réservé du contenu 2"/>
+          <p:cNvSpPr>
+            <a:spLocks noGrp="1"/>
+          </p:cNvSpPr>
+          <p:nvPr>
+            <p:ph sz="quarter" idx="1"/>
+          </p:nvPr>
+        </p:nvSpPr>
+        <p:spPr/>
+        <p:txBody>
+          <a:bodyPr/>
+          <a:lstStyle/>
+          <a:p>
+            <a:r>
+              <a:rPr lang="fr-FR" dirty="0"/>
+              <a:t>Corriger ce diagramme de classe</a:t>
+            </a:r>
+          </a:p>
+          <a:p>
+            <a:endParaRPr lang="fr-FR" dirty="0"/>
+          </a:p>
+          <a:p>
+            <a:endParaRPr lang="fr-FR"/>
+          </a:p>
+          <a:p>
+            <a:endParaRPr lang="fr-FR"/>
+          </a:p>
+          <a:p>
+            <a:endParaRPr lang="fr-FR" dirty="0"/>
+          </a:p>
+          <a:p>
+            <a:endParaRPr lang="fr-FR" dirty="0"/>
+          </a:p>
+          <a:p>
+            <a:r>
+              <a:rPr lang="fr-FR" dirty="0"/>
+              <a:t>Généraliser pour permettre de faire des tartes aux fraises, aux poires, aux </a:t>
+            </a:r>
+            <a:r>
+              <a:rPr lang="fr-FR" dirty="0" err="1"/>
+              <a:t>quetches</a:t>
+            </a:r>
+            <a:r>
+              <a:rPr lang="fr-FR" dirty="0"/>
+              <a:t>… aux fruits, brefs!</a:t>
+            </a:r>
+          </a:p>
+        </p:txBody>
+      </p:sp>
+      <p:sp>
+        <p:nvSpPr>
+          <p:cNvPr id="4" name="Espace réservé du numéro de diapositive 3"/>
+          <p:cNvSpPr>
+            <a:spLocks noGrp="1"/>
+          </p:cNvSpPr>
+          <p:nvPr>
+            <p:ph type="sldNum" sz="quarter" idx="15"/>
+          </p:nvPr>
+        </p:nvSpPr>
+        <p:spPr/>
+        <p:txBody>
+          <a:bodyPr/>
+          <a:lstStyle/>
+          <a:p>
+            <a:fld id="{15C34F61-B9C8-446C-A250-F0245BEC5AFD}" type="slidenum">
+              <a:rPr lang="fr-FR" smtClean="0"/>
+              <a:t>8</a:t>
+            </a:fld>
+            <a:endParaRPr lang="fr-FR"/>
+          </a:p>
+        </p:txBody>
+      </p:sp>
+      <p:pic>
+        <p:nvPicPr>
+          <p:cNvPr id="3074" name="Picture 2"/>
           <p:cNvPicPr>
             <a:picLocks noChangeAspect="1" noChangeArrowheads="1"/>
           </p:cNvPicPr>
           <p:nvPr/>
         </p:nvPicPr>
         <p:blipFill>
-          <a:blip r:embed="rId2">
+          <a:blip r:embed="rId2" cstate="print">
             <a:extLst>
               <a:ext uri="{28A0092B-C50C-407E-A947-70E740481C1C}">
                 <a14:useLocalDpi xmlns:a14="http://schemas.microsoft.com/office/drawing/2010/main" val="0"/>
@@ -7038,8 +7282,8 @@
         </p:blipFill>
         <p:spPr bwMode="auto">
           <a:xfrm>
-            <a:off x="2627784" y="4149080"/>
-            <a:ext cx="3024336" cy="2211236"/>
+            <a:off x="2745519" y="2556793"/>
+            <a:ext cx="3652961" cy="1744413"/>
           </a:xfrm>
           <a:prstGeom prst="rect">
             <a:avLst/>
@@ -7082,203 +7326,6 @@
     </p:spTree>
     <p:extLst>
       <p:ext uri="{BB962C8B-B14F-4D97-AF65-F5344CB8AC3E}">
-        <p14:creationId xmlns:p14="http://schemas.microsoft.com/office/powerpoint/2010/main" val="2102095351"/>
-      </p:ext>
-    </p:extLst>
-  </p:cSld>
-  <p:clrMapOvr>
-    <a:masterClrMapping/>
-  </p:clrMapOvr>
-</p:sld>
-</file>
-
-<file path=ppt/slides/slide8.xml><?xml version="1.0" encoding="utf-8"?>
-<p:sld xmlns:a="http://schemas.openxmlformats.org/drawingml/2006/main" xmlns:r="http://schemas.openxmlformats.org/officeDocument/2006/relationships" xmlns:p="http://schemas.openxmlformats.org/presentationml/2006/main">
-  <p:cSld>
-    <p:spTree>
-      <p:nvGrpSpPr>
-        <p:cNvPr id="1" name=""/>
-        <p:cNvGrpSpPr/>
-        <p:nvPr/>
-      </p:nvGrpSpPr>
-      <p:grpSpPr>
-        <a:xfrm>
-          <a:off x="0" y="0"/>
-          <a:ext cx="0" cy="0"/>
-          <a:chOff x="0" y="0"/>
-          <a:chExt cx="0" cy="0"/>
-        </a:xfrm>
-      </p:grpSpPr>
-      <p:sp>
-        <p:nvSpPr>
-          <p:cNvPr id="2" name="Titre 1"/>
-          <p:cNvSpPr>
-            <a:spLocks noGrp="1"/>
-          </p:cNvSpPr>
-          <p:nvPr>
-            <p:ph type="title"/>
-          </p:nvPr>
-        </p:nvSpPr>
-        <p:spPr/>
-        <p:txBody>
-          <a:bodyPr/>
-          <a:lstStyle/>
-          <a:p>
-            <a:r>
-              <a:rPr lang="fr-FR"/>
-              <a:t>restructuration d'héritage </a:t>
-            </a:r>
-            <a:br>
-              <a:rPr lang="fr-FR"/>
-            </a:br>
-            <a:r>
-              <a:rPr lang="fr-FR"/>
-              <a:t>Exercice  la Tarte aux pommes</a:t>
-            </a:r>
-          </a:p>
-        </p:txBody>
-      </p:sp>
-      <p:sp>
-        <p:nvSpPr>
-          <p:cNvPr id="3" name="Espace réservé du contenu 2"/>
-          <p:cNvSpPr>
-            <a:spLocks noGrp="1"/>
-          </p:cNvSpPr>
-          <p:nvPr>
-            <p:ph sz="quarter" idx="1"/>
-          </p:nvPr>
-        </p:nvSpPr>
-        <p:spPr/>
-        <p:txBody>
-          <a:bodyPr/>
-          <a:lstStyle/>
-          <a:p>
-            <a:r>
-              <a:rPr lang="fr-FR"/>
-              <a:t>Corriger ce diagramme de classe</a:t>
-            </a:r>
-          </a:p>
-          <a:p>
-            <a:endParaRPr lang="fr-FR"/>
-          </a:p>
-          <a:p>
-            <a:endParaRPr lang="fr-FR"/>
-          </a:p>
-          <a:p>
-            <a:endParaRPr lang="fr-FR"/>
-          </a:p>
-          <a:p>
-            <a:endParaRPr lang="fr-FR"/>
-          </a:p>
-          <a:p>
-            <a:endParaRPr lang="fr-FR"/>
-          </a:p>
-          <a:p>
-            <a:r>
-              <a:rPr lang="fr-FR"/>
-              <a:t>Généraliser pour permettre de faire des tartes aux fraises, aux poires, aux </a:t>
-            </a:r>
-            <a:r>
-              <a:rPr lang="fr-FR" err="1"/>
-              <a:t>quetches</a:t>
-            </a:r>
-            <a:r>
-              <a:rPr lang="fr-FR"/>
-              <a:t>… aux fruits, brefs!</a:t>
-            </a:r>
-          </a:p>
-        </p:txBody>
-      </p:sp>
-      <p:sp>
-        <p:nvSpPr>
-          <p:cNvPr id="4" name="Espace réservé du numéro de diapositive 3"/>
-          <p:cNvSpPr>
-            <a:spLocks noGrp="1"/>
-          </p:cNvSpPr>
-          <p:nvPr>
-            <p:ph type="sldNum" sz="quarter" idx="15"/>
-          </p:nvPr>
-        </p:nvSpPr>
-        <p:spPr/>
-        <p:txBody>
-          <a:bodyPr/>
-          <a:lstStyle/>
-          <a:p>
-            <a:fld id="{15C34F61-B9C8-446C-A250-F0245BEC5AFD}" type="slidenum">
-              <a:rPr lang="fr-FR" smtClean="0"/>
-              <a:t>8</a:t>
-            </a:fld>
-            <a:endParaRPr lang="fr-FR"/>
-          </a:p>
-        </p:txBody>
-      </p:sp>
-      <p:pic>
-        <p:nvPicPr>
-          <p:cNvPr id="3074" name="Picture 2"/>
-          <p:cNvPicPr>
-            <a:picLocks noChangeAspect="1" noChangeArrowheads="1"/>
-          </p:cNvPicPr>
-          <p:nvPr/>
-        </p:nvPicPr>
-        <p:blipFill>
-          <a:blip r:embed="rId2" cstate="print">
-            <a:extLst>
-              <a:ext uri="{28A0092B-C50C-407E-A947-70E740481C1C}">
-                <a14:useLocalDpi xmlns:a14="http://schemas.microsoft.com/office/drawing/2010/main" val="0"/>
-              </a:ext>
-            </a:extLst>
-          </a:blip>
-          <a:srcRect/>
-          <a:stretch>
-            <a:fillRect/>
-          </a:stretch>
-        </p:blipFill>
-        <p:spPr bwMode="auto">
-          <a:xfrm>
-            <a:off x="3923928" y="2492896"/>
-            <a:ext cx="3652961" cy="1744413"/>
-          </a:xfrm>
-          <a:prstGeom prst="rect">
-            <a:avLst/>
-          </a:prstGeom>
-          <a:noFill/>
-          <a:ln>
-            <a:noFill/>
-          </a:ln>
-          <a:effectLst/>
-          <a:extLst>
-            <a:ext uri="{909E8E84-426E-40DD-AFC4-6F175D3DCCD1}">
-              <a14:hiddenFill xmlns:a14="http://schemas.microsoft.com/office/drawing/2010/main">
-                <a:solidFill>
-                  <a:schemeClr val="accent1"/>
-                </a:solidFill>
-              </a14:hiddenFill>
-            </a:ext>
-            <a:ext uri="{91240B29-F687-4F45-9708-019B960494DF}">
-              <a14:hiddenLine xmlns:a14="http://schemas.microsoft.com/office/drawing/2010/main" w="9525">
-                <a:solidFill>
-                  <a:schemeClr val="tx1"/>
-                </a:solidFill>
-                <a:miter lim="800000"/>
-                <a:headEnd/>
-                <a:tailEnd/>
-              </a14:hiddenLine>
-            </a:ext>
-            <a:ext uri="{AF507438-7753-43E0-B8FC-AC1667EBCBE1}">
-              <a14:hiddenEffects xmlns:a14="http://schemas.microsoft.com/office/drawing/2010/main">
-                <a:effectLst>
-                  <a:outerShdw dist="35921" dir="2700000" algn="ctr" rotWithShape="0">
-                    <a:schemeClr val="bg2"/>
-                  </a:outerShdw>
-                </a:effectLst>
-              </a14:hiddenEffects>
-            </a:ext>
-          </a:extLst>
-        </p:spPr>
-      </p:pic>
-    </p:spTree>
-    <p:extLst>
-      <p:ext uri="{BB962C8B-B14F-4D97-AF65-F5344CB8AC3E}">
         <p14:creationId xmlns:p14="http://schemas.microsoft.com/office/powerpoint/2010/main" val="1194017993"/>
       </p:ext>
     </p:extLst>
@@ -7360,61 +7407,61 @@
           <a:p>
             <a:pPr lvl="0"/>
             <a:r>
-              <a:rPr lang="fr-FR"/>
+              <a:rPr lang="fr-FR" dirty="0"/>
               <a:t>Représentez le diagramme de classes correspondants pour les exemples suivants:</a:t>
             </a:r>
           </a:p>
           <a:p>
             <a:pPr lvl="1"/>
             <a:r>
-              <a:rPr lang="fr-FR"/>
+              <a:rPr lang="fr-FR" dirty="0"/>
               <a:t>Une pièce de théâtre classique comporte des actes et des scènes.</a:t>
             </a:r>
           </a:p>
           <a:p>
             <a:pPr lvl="1"/>
             <a:r>
-              <a:rPr lang="fr-FR"/>
+              <a:rPr lang="fr-FR" dirty="0"/>
               <a:t>Chez les artistes de music-hall, il y a des compositeurs, des interprètes et des paroliers. </a:t>
             </a:r>
           </a:p>
           <a:p>
             <a:pPr lvl="1"/>
             <a:r>
-              <a:rPr lang="fr-FR"/>
+              <a:rPr lang="fr-FR" dirty="0"/>
               <a:t>Un coureur automobile participe à des courses pour une écurie</a:t>
             </a:r>
           </a:p>
           <a:p>
             <a:pPr lvl="1"/>
             <a:r>
-              <a:rPr lang="fr-FR"/>
+              <a:rPr lang="fr-FR" dirty="0"/>
               <a:t>Un programmeur écrit des programmes. </a:t>
             </a:r>
           </a:p>
           <a:p>
             <a:pPr lvl="1"/>
             <a:r>
-              <a:rPr lang="fr-FR"/>
+              <a:rPr lang="fr-FR" dirty="0"/>
               <a:t>Un programme COBOL est composé de divisions, de sections et de paragraphes.</a:t>
             </a:r>
           </a:p>
           <a:p>
             <a:pPr lvl="1"/>
             <a:r>
-              <a:rPr lang="fr-FR"/>
+              <a:rPr lang="fr-FR" dirty="0"/>
               <a:t>Les modems, les écrans, les souris et les claviers sont des organes d'entrée-sortie.  </a:t>
             </a:r>
           </a:p>
           <a:p>
             <a:pPr lvl="1"/>
             <a:r>
-              <a:rPr lang="fr-FR"/>
+              <a:rPr lang="fr-FR" dirty="0"/>
               <a:t>Un ordinateur comprend une caisse, une alimentation, un disque dur, des organes d'entrée-sortie.</a:t>
             </a:r>
           </a:p>
           <a:p>
-            <a:endParaRPr lang="fr-FR"/>
+            <a:endParaRPr lang="fr-FR" dirty="0"/>
           </a:p>
         </p:txBody>
       </p:sp>
